--- a/Assignments/A2/2#Assignment.pptx
+++ b/Assignments/A2/2#Assignment.pptx
@@ -3888,7 +3888,6 @@
           </a:bodyPr>
           <a:lstStyle/>
           <a:p>
-            <a:pPr algn="l"/>
             <a:r>
               <a:rPr lang="en-US" sz="3600" dirty="0" smtClean="0">
                 <a:solidFill>
@@ -3905,7 +3904,43 @@
                   </a:outerShdw>
                 </a:effectLst>
               </a:rPr>
-              <a:t>Re-implement Ass. 1# with the built-in optimization function</a:t>
+              <a:t>Re-implement </a:t>
+            </a:r>
+            <a:r>
+              <a:rPr lang="en-US" altLang="zh-CN" sz="3600" dirty="0">
+                <a:solidFill>
+                  <a:schemeClr val="tx1">
+                    <a:lumMod val="95000"/>
+                    <a:lumOff val="5000"/>
+                  </a:schemeClr>
+                </a:solidFill>
+                <a:effectLst>
+                  <a:outerShdw blurRad="38100" dist="38100" dir="2700000" algn="tl">
+                    <a:srgbClr val="000000">
+                      <a:alpha val="43137"/>
+                    </a:srgbClr>
+                  </a:outerShdw>
+                </a:effectLst>
+              </a:rPr>
+              <a:t>1# </a:t>
+            </a:r>
+            <a:r>
+              <a:rPr lang="en-US" sz="3600" dirty="0" smtClean="0">
+                <a:solidFill>
+                  <a:schemeClr val="tx1">
+                    <a:lumMod val="95000"/>
+                    <a:lumOff val="5000"/>
+                  </a:schemeClr>
+                </a:solidFill>
+                <a:effectLst>
+                  <a:outerShdw blurRad="38100" dist="38100" dir="2700000" algn="tl">
+                    <a:srgbClr val="000000">
+                      <a:alpha val="43137"/>
+                    </a:srgbClr>
+                  </a:outerShdw>
+                </a:effectLst>
+              </a:rPr>
+              <a:t>Ass. with the built-in optimization function</a:t>
             </a:r>
             <a:endParaRPr lang="en-US" sz="3600" dirty="0">
               <a:solidFill>
@@ -6139,10 +6174,10 @@
                   </a:prstClr>
                 </a:solidFill>
               </a:rPr>
-              <a:t>    ML_ASS1</a:t>
-            </a:r>
-            <a:r>
-              <a:rPr lang="en-US" altLang="zh-CN" sz="3200" dirty="0">
+              <a:t>    </a:t>
+            </a:r>
+            <a:r>
+              <a:rPr lang="en-US" altLang="zh-CN" sz="3200" dirty="0" smtClean="0">
                 <a:solidFill>
                   <a:prstClr val="black">
                     <a:lumMod val="95000"/>
@@ -6150,10 +6185,18 @@
                   </a:prstClr>
                 </a:solidFill>
               </a:rPr>
-              <a:t>#_your </a:t>
-            </a:r>
-            <a:r>
-              <a:rPr lang="en-US" altLang="zh-CN" sz="3200" dirty="0" err="1">
+              <a:t>ML_ASS</a:t>
+            </a:r>
+            <a:r>
+              <a:rPr lang="en-US" altLang="zh-CN" sz="3200" dirty="0" smtClean="0">
+                <a:solidFill>
+                  <a:srgbClr val="FF0000"/>
+                </a:solidFill>
+              </a:rPr>
+              <a:t>2</a:t>
+            </a:r>
+            <a:r>
+              <a:rPr lang="en-US" altLang="zh-CN" sz="3200" dirty="0" smtClean="0">
                 <a:solidFill>
                   <a:prstClr val="black">
                     <a:lumMod val="95000"/>
@@ -6161,7 +6204,7 @@
                   </a:prstClr>
                 </a:solidFill>
               </a:rPr>
-              <a:t>name_your</a:t>
+              <a:t>#_</a:t>
             </a:r>
             <a:r>
               <a:rPr lang="en-US" altLang="zh-CN" sz="3200" dirty="0">
@@ -6172,10 +6215,10 @@
                   </a:prstClr>
                 </a:solidFill>
               </a:rPr>
-              <a:t> ID, </a:t>
-            </a:r>
-            <a:r>
-              <a:rPr lang="en-US" altLang="zh-CN" sz="3200" dirty="0" smtClean="0">
+              <a:t>your </a:t>
+            </a:r>
+            <a:r>
+              <a:rPr lang="en-US" altLang="zh-CN" sz="3200" dirty="0" err="1">
                 <a:solidFill>
                   <a:prstClr val="black">
                     <a:lumMod val="95000"/>
@@ -6183,7 +6226,7 @@
                   </a:prstClr>
                 </a:solidFill>
               </a:rPr>
-              <a:t>for </a:t>
+              <a:t>name_your</a:t>
             </a:r>
             <a:r>
               <a:rPr lang="en-US" altLang="zh-CN" sz="3200" dirty="0">
@@ -6194,13 +6237,10 @@
                   </a:prstClr>
                 </a:solidFill>
               </a:rPr>
-              <a:t>example:</a:t>
-            </a:r>
-          </a:p>
-          <a:p>
-            <a:pPr lvl="0"/>
-            <a:r>
-              <a:rPr lang="en-US" altLang="zh-CN" sz="3200" dirty="0">
+              <a:t> ID, </a:t>
+            </a:r>
+            <a:r>
+              <a:rPr lang="en-US" altLang="zh-CN" sz="3200" dirty="0" smtClean="0">
                 <a:solidFill>
                   <a:prstClr val="black">
                     <a:lumMod val="95000"/>
@@ -6208,7 +6248,62 @@
                   </a:prstClr>
                 </a:solidFill>
               </a:rPr>
-              <a:t>     ML_ASS1#_</a:t>
+              <a:t>for </a:t>
+            </a:r>
+            <a:r>
+              <a:rPr lang="en-US" altLang="zh-CN" sz="3200" dirty="0">
+                <a:solidFill>
+                  <a:prstClr val="black">
+                    <a:lumMod val="95000"/>
+                    <a:lumOff val="5000"/>
+                  </a:prstClr>
+                </a:solidFill>
+              </a:rPr>
+              <a:t>example:</a:t>
+            </a:r>
+          </a:p>
+          <a:p>
+            <a:pPr lvl="0"/>
+            <a:r>
+              <a:rPr lang="en-US" altLang="zh-CN" sz="3200" dirty="0">
+                <a:solidFill>
+                  <a:prstClr val="black">
+                    <a:lumMod val="95000"/>
+                    <a:lumOff val="5000"/>
+                  </a:prstClr>
+                </a:solidFill>
+              </a:rPr>
+              <a:t>     </a:t>
+            </a:r>
+            <a:r>
+              <a:rPr lang="en-US" altLang="zh-CN" sz="3200" dirty="0" smtClean="0">
+                <a:solidFill>
+                  <a:prstClr val="black">
+                    <a:lumMod val="95000"/>
+                    <a:lumOff val="5000"/>
+                  </a:prstClr>
+                </a:solidFill>
+              </a:rPr>
+              <a:t>ML_ASS</a:t>
+            </a:r>
+            <a:r>
+              <a:rPr lang="en-US" altLang="zh-CN" sz="3200" dirty="0" smtClean="0">
+                <a:solidFill>
+                  <a:srgbClr val="FF0000"/>
+                </a:solidFill>
+              </a:rPr>
+              <a:t>2</a:t>
+            </a:r>
+            <a:r>
+              <a:rPr lang="en-US" altLang="zh-CN" sz="3200" dirty="0" smtClean="0">
+                <a:solidFill>
+                  <a:prstClr val="black">
+                    <a:lumMod val="95000"/>
+                    <a:lumOff val="5000"/>
+                  </a:prstClr>
+                </a:solidFill>
+              </a:rPr>
+              <a:t>#_</a:t>
             </a:r>
             <a:r>
               <a:rPr lang="zh-CN" altLang="en-US" sz="3200" dirty="0">
